--- a/Project_Presentation.pptx
+++ b/Project_Presentation.pptx
@@ -12,12 +12,13 @@
     <p:sldId id="260" r:id="rId6"/>
     <p:sldId id="265" r:id="rId7"/>
     <p:sldId id="267" r:id="rId8"/>
-    <p:sldId id="261" r:id="rId9"/>
-    <p:sldId id="266" r:id="rId10"/>
-    <p:sldId id="268" r:id="rId11"/>
-    <p:sldId id="262" r:id="rId12"/>
-    <p:sldId id="263" r:id="rId13"/>
-    <p:sldId id="264" r:id="rId14"/>
+    <p:sldId id="269" r:id="rId9"/>
+    <p:sldId id="261" r:id="rId10"/>
+    <p:sldId id="266" r:id="rId11"/>
+    <p:sldId id="268" r:id="rId12"/>
+    <p:sldId id="262" r:id="rId13"/>
+    <p:sldId id="263" r:id="rId14"/>
+    <p:sldId id="264" r:id="rId15"/>
   </p:sldIdLst>
   <p:sldSz cx="12192000" cy="6858000"/>
   <p:notesSz cx="6858000" cy="9144000"/>
@@ -307,7 +308,7 @@
           <a:p>
             <a:fld id="{6931C06E-6E04-410A-B385-B555B945CD5F}" type="datetimeFigureOut">
               <a:rPr lang="en-US" smtClean="0"/>
-              <a:t>8/22/2020</a:t>
+              <a:t>8/24/2020</a:t>
             </a:fld>
             <a:endParaRPr lang="en-US"/>
           </a:p>
@@ -582,7 +583,7 @@
           <a:p>
             <a:fld id="{6931C06E-6E04-410A-B385-B555B945CD5F}" type="datetimeFigureOut">
               <a:rPr lang="en-US" smtClean="0"/>
-              <a:t>8/22/2020</a:t>
+              <a:t>8/24/2020</a:t>
             </a:fld>
             <a:endParaRPr lang="en-US"/>
           </a:p>
@@ -776,7 +777,7 @@
           <a:p>
             <a:fld id="{6931C06E-6E04-410A-B385-B555B945CD5F}" type="datetimeFigureOut">
               <a:rPr lang="en-US" smtClean="0"/>
-              <a:t>8/22/2020</a:t>
+              <a:t>8/24/2020</a:t>
             </a:fld>
             <a:endParaRPr lang="en-US"/>
           </a:p>
@@ -1044,7 +1045,7 @@
           <a:p>
             <a:fld id="{6931C06E-6E04-410A-B385-B555B945CD5F}" type="datetimeFigureOut">
               <a:rPr lang="en-US" smtClean="0"/>
-              <a:t>8/22/2020</a:t>
+              <a:t>8/24/2020</a:t>
             </a:fld>
             <a:endParaRPr lang="en-US"/>
           </a:p>
@@ -1376,7 +1377,7 @@
           <a:p>
             <a:fld id="{6931C06E-6E04-410A-B385-B555B945CD5F}" type="datetimeFigureOut">
               <a:rPr lang="en-US" smtClean="0"/>
-              <a:t>8/22/2020</a:t>
+              <a:t>8/24/2020</a:t>
             </a:fld>
             <a:endParaRPr lang="en-US"/>
           </a:p>
@@ -1986,7 +1987,7 @@
           <a:p>
             <a:fld id="{6931C06E-6E04-410A-B385-B555B945CD5F}" type="datetimeFigureOut">
               <a:rPr lang="en-US" smtClean="0"/>
-              <a:t>8/22/2020</a:t>
+              <a:t>8/24/2020</a:t>
             </a:fld>
             <a:endParaRPr lang="en-US"/>
           </a:p>
@@ -2833,7 +2834,7 @@
           <a:p>
             <a:fld id="{6931C06E-6E04-410A-B385-B555B945CD5F}" type="datetimeFigureOut">
               <a:rPr lang="en-US" smtClean="0"/>
-              <a:t>8/22/2020</a:t>
+              <a:t>8/24/2020</a:t>
             </a:fld>
             <a:endParaRPr lang="en-US"/>
           </a:p>
@@ -3003,7 +3004,7 @@
           <a:p>
             <a:fld id="{6931C06E-6E04-410A-B385-B555B945CD5F}" type="datetimeFigureOut">
               <a:rPr lang="en-US" smtClean="0"/>
-              <a:t>8/22/2020</a:t>
+              <a:t>8/24/2020</a:t>
             </a:fld>
             <a:endParaRPr lang="en-US"/>
           </a:p>
@@ -3183,7 +3184,7 @@
           <a:p>
             <a:fld id="{6931C06E-6E04-410A-B385-B555B945CD5F}" type="datetimeFigureOut">
               <a:rPr lang="en-US" smtClean="0"/>
-              <a:t>8/22/2020</a:t>
+              <a:t>8/24/2020</a:t>
             </a:fld>
             <a:endParaRPr lang="en-US"/>
           </a:p>
@@ -3353,7 +3354,7 @@
           <a:p>
             <a:fld id="{6931C06E-6E04-410A-B385-B555B945CD5F}" type="datetimeFigureOut">
               <a:rPr lang="en-US" smtClean="0"/>
-              <a:t>8/22/2020</a:t>
+              <a:t>8/24/2020</a:t>
             </a:fld>
             <a:endParaRPr lang="en-US"/>
           </a:p>
@@ -3597,7 +3598,7 @@
           <a:p>
             <a:fld id="{6931C06E-6E04-410A-B385-B555B945CD5F}" type="datetimeFigureOut">
               <a:rPr lang="en-US" smtClean="0"/>
-              <a:t>8/22/2020</a:t>
+              <a:t>8/24/2020</a:t>
             </a:fld>
             <a:endParaRPr lang="en-US"/>
           </a:p>
@@ -3889,7 +3890,7 @@
           <a:p>
             <a:fld id="{6931C06E-6E04-410A-B385-B555B945CD5F}" type="datetimeFigureOut">
               <a:rPr lang="en-US" smtClean="0"/>
-              <a:t>8/22/2020</a:t>
+              <a:t>8/24/2020</a:t>
             </a:fld>
             <a:endParaRPr lang="en-US"/>
           </a:p>
@@ -4327,7 +4328,7 @@
           <a:p>
             <a:fld id="{6931C06E-6E04-410A-B385-B555B945CD5F}" type="datetimeFigureOut">
               <a:rPr lang="en-US" smtClean="0"/>
-              <a:t>8/22/2020</a:t>
+              <a:t>8/24/2020</a:t>
             </a:fld>
             <a:endParaRPr lang="en-US"/>
           </a:p>
@@ -4445,7 +4446,7 @@
           <a:p>
             <a:fld id="{6931C06E-6E04-410A-B385-B555B945CD5F}" type="datetimeFigureOut">
               <a:rPr lang="en-US" smtClean="0"/>
-              <a:t>8/22/2020</a:t>
+              <a:t>8/24/2020</a:t>
             </a:fld>
             <a:endParaRPr lang="en-US"/>
           </a:p>
@@ -4540,7 +4541,7 @@
           <a:p>
             <a:fld id="{6931C06E-6E04-410A-B385-B555B945CD5F}" type="datetimeFigureOut">
               <a:rPr lang="en-US" smtClean="0"/>
-              <a:t>8/22/2020</a:t>
+              <a:t>8/24/2020</a:t>
             </a:fld>
             <a:endParaRPr lang="en-US"/>
           </a:p>
@@ -4819,7 +4820,7 @@
           <a:p>
             <a:fld id="{6931C06E-6E04-410A-B385-B555B945CD5F}" type="datetimeFigureOut">
               <a:rPr lang="en-US" smtClean="0"/>
-              <a:t>8/22/2020</a:t>
+              <a:t>8/24/2020</a:t>
             </a:fld>
             <a:endParaRPr lang="en-US"/>
           </a:p>
@@ -5094,7 +5095,7 @@
           <a:p>
             <a:fld id="{6931C06E-6E04-410A-B385-B555B945CD5F}" type="datetimeFigureOut">
               <a:rPr lang="en-US" smtClean="0"/>
-              <a:t>8/22/2020</a:t>
+              <a:t>8/24/2020</a:t>
             </a:fld>
             <a:endParaRPr lang="en-US"/>
           </a:p>
@@ -5523,7 +5524,7 @@
           <a:p>
             <a:fld id="{6931C06E-6E04-410A-B385-B555B945CD5F}" type="datetimeFigureOut">
               <a:rPr lang="en-US" smtClean="0"/>
-              <a:t>8/22/2020</a:t>
+              <a:t>8/24/2020</a:t>
             </a:fld>
             <a:endParaRPr lang="en-US"/>
           </a:p>
@@ -6136,6 +6137,225 @@
           <p:cNvPr id="2" name="Title 1">
             <a:extLst>
               <a:ext uri="{FF2B5EF4-FFF2-40B4-BE49-F238E27FC236}">
+                <a16:creationId xmlns:a16="http://schemas.microsoft.com/office/drawing/2014/main" id="{7B265802-3FE0-4788-A3F7-6F54419EB426}"/>
+              </a:ext>
+            </a:extLst>
+          </p:cNvPr>
+          <p:cNvSpPr>
+            <a:spLocks noGrp="1"/>
+          </p:cNvSpPr>
+          <p:nvPr>
+            <p:ph type="title"/>
+          </p:nvPr>
+        </p:nvSpPr>
+        <p:spPr/>
+        <p:txBody>
+          <a:bodyPr/>
+          <a:lstStyle/>
+          <a:p>
+            <a:r>
+              <a:rPr lang="en-US" dirty="0"/>
+              <a:t>Linear Regression &amp; K Nearest Neighbors</a:t>
+            </a:r>
+            <a:br>
+              <a:rPr lang="en-US" dirty="0"/>
+            </a:br>
+            <a:endParaRPr lang="en-US" dirty="0"/>
+          </a:p>
+        </p:txBody>
+      </p:sp>
+      <p:sp>
+        <p:nvSpPr>
+          <p:cNvPr id="3" name="Content Placeholder 2">
+            <a:extLst>
+              <a:ext uri="{FF2B5EF4-FFF2-40B4-BE49-F238E27FC236}">
+                <a16:creationId xmlns:a16="http://schemas.microsoft.com/office/drawing/2014/main" id="{333B0B37-88E7-4269-A4D7-EC80DEF9F225}"/>
+              </a:ext>
+            </a:extLst>
+          </p:cNvPr>
+          <p:cNvSpPr>
+            <a:spLocks noGrp="1"/>
+          </p:cNvSpPr>
+          <p:nvPr>
+            <p:ph idx="1"/>
+          </p:nvPr>
+        </p:nvSpPr>
+        <p:spPr>
+          <a:xfrm>
+            <a:off x="646110" y="2112885"/>
+            <a:ext cx="4778145" cy="3700509"/>
+          </a:xfrm>
+        </p:spPr>
+        <p:txBody>
+          <a:bodyPr/>
+          <a:lstStyle/>
+          <a:p>
+            <a:r>
+              <a:rPr lang="en-US" dirty="0"/>
+              <a:t>Linear Regression</a:t>
+            </a:r>
+          </a:p>
+          <a:p>
+            <a:pPr lvl="1"/>
+            <a:r>
+              <a:rPr lang="en-US" dirty="0"/>
+              <a:t>Analysis was performed based on the average ADR and lead time for both City and Resort data.</a:t>
+            </a:r>
+          </a:p>
+          <a:p>
+            <a:pPr lvl="1"/>
+            <a:r>
+              <a:rPr lang="en-US" dirty="0"/>
+              <a:t>Model result for City had MSE of 15.38.</a:t>
+            </a:r>
+          </a:p>
+          <a:p>
+            <a:pPr lvl="1"/>
+            <a:r>
+              <a:rPr lang="en-US" dirty="0"/>
+              <a:t>Model result for Resort had MSE of 39.22.</a:t>
+            </a:r>
+          </a:p>
+          <a:p>
+            <a:r>
+              <a:rPr lang="en-US" dirty="0"/>
+              <a:t>KNN</a:t>
+            </a:r>
+          </a:p>
+          <a:p>
+            <a:pPr lvl="1"/>
+            <a:r>
+              <a:rPr lang="en-US" dirty="0"/>
+              <a:t>City data had MSE of 15.06</a:t>
+            </a:r>
+          </a:p>
+        </p:txBody>
+      </p:sp>
+      <p:pic>
+        <p:nvPicPr>
+          <p:cNvPr id="5" name="Picture 4">
+            <a:extLst>
+              <a:ext uri="{FF2B5EF4-FFF2-40B4-BE49-F238E27FC236}">
+                <a16:creationId xmlns:a16="http://schemas.microsoft.com/office/drawing/2014/main" id="{D3D4F0F6-D7D9-4195-8708-B66E688401A6}"/>
+              </a:ext>
+            </a:extLst>
+          </p:cNvPr>
+          <p:cNvPicPr>
+            <a:picLocks noChangeAspect="1"/>
+          </p:cNvPicPr>
+          <p:nvPr/>
+        </p:nvPicPr>
+        <p:blipFill>
+          <a:blip r:embed="rId2"/>
+          <a:stretch>
+            <a:fillRect/>
+          </a:stretch>
+        </p:blipFill>
+        <p:spPr>
+          <a:xfrm>
+            <a:off x="5997430" y="1869557"/>
+            <a:ext cx="2959341" cy="1784309"/>
+          </a:xfrm>
+          <a:prstGeom prst="rect">
+            <a:avLst/>
+          </a:prstGeom>
+        </p:spPr>
+      </p:pic>
+      <p:pic>
+        <p:nvPicPr>
+          <p:cNvPr id="8" name="Picture 7">
+            <a:extLst>
+              <a:ext uri="{FF2B5EF4-FFF2-40B4-BE49-F238E27FC236}">
+                <a16:creationId xmlns:a16="http://schemas.microsoft.com/office/drawing/2014/main" id="{A8150C74-7466-421B-B326-09996A1AD78C}"/>
+              </a:ext>
+            </a:extLst>
+          </p:cNvPr>
+          <p:cNvPicPr>
+            <a:picLocks noChangeAspect="1"/>
+          </p:cNvPicPr>
+          <p:nvPr/>
+        </p:nvPicPr>
+        <p:blipFill>
+          <a:blip r:embed="rId3"/>
+          <a:stretch>
+            <a:fillRect/>
+          </a:stretch>
+        </p:blipFill>
+        <p:spPr>
+          <a:xfrm>
+            <a:off x="9130815" y="1869557"/>
+            <a:ext cx="2959341" cy="1768000"/>
+          </a:xfrm>
+          <a:prstGeom prst="rect">
+            <a:avLst/>
+          </a:prstGeom>
+        </p:spPr>
+      </p:pic>
+      <p:pic>
+        <p:nvPicPr>
+          <p:cNvPr id="10" name="Picture 9">
+            <a:extLst>
+              <a:ext uri="{FF2B5EF4-FFF2-40B4-BE49-F238E27FC236}">
+                <a16:creationId xmlns:a16="http://schemas.microsoft.com/office/drawing/2014/main" id="{F5D0570B-4168-4938-B559-E28CC076D681}"/>
+              </a:ext>
+            </a:extLst>
+          </p:cNvPr>
+          <p:cNvPicPr>
+            <a:picLocks noChangeAspect="1"/>
+          </p:cNvPicPr>
+          <p:nvPr/>
+        </p:nvPicPr>
+        <p:blipFill>
+          <a:blip r:embed="rId4"/>
+          <a:stretch>
+            <a:fillRect/>
+          </a:stretch>
+        </p:blipFill>
+        <p:spPr>
+          <a:xfrm>
+            <a:off x="6575273" y="3802367"/>
+            <a:ext cx="5111083" cy="2011027"/>
+          </a:xfrm>
+          <a:prstGeom prst="rect">
+            <a:avLst/>
+          </a:prstGeom>
+        </p:spPr>
+      </p:pic>
+    </p:spTree>
+    <p:extLst>
+      <p:ext uri="{BB962C8B-B14F-4D97-AF65-F5344CB8AC3E}">
+        <p14:creationId xmlns:p14="http://schemas.microsoft.com/office/powerpoint/2010/main" val="424489951"/>
+      </p:ext>
+    </p:extLst>
+  </p:cSld>
+  <p:clrMapOvr>
+    <a:masterClrMapping/>
+  </p:clrMapOvr>
+</p:sld>
+</file>
+
+<file path=ppt/slides/slide11.xml><?xml version="1.0" encoding="utf-8"?>
+<p:sld xmlns:a="http://schemas.openxmlformats.org/drawingml/2006/main" xmlns:r="http://schemas.openxmlformats.org/officeDocument/2006/relationships" xmlns:p="http://schemas.openxmlformats.org/presentationml/2006/main">
+  <p:cSld>
+    <p:spTree>
+      <p:nvGrpSpPr>
+        <p:cNvPr id="1" name=""/>
+        <p:cNvGrpSpPr/>
+        <p:nvPr/>
+      </p:nvGrpSpPr>
+      <p:grpSpPr>
+        <a:xfrm>
+          <a:off x="0" y="0"/>
+          <a:ext cx="0" cy="0"/>
+          <a:chOff x="0" y="0"/>
+          <a:chExt cx="0" cy="0"/>
+        </a:xfrm>
+      </p:grpSpPr>
+      <p:sp>
+        <p:nvSpPr>
+          <p:cNvPr id="2" name="Title 1">
+            <a:extLst>
+              <a:ext uri="{FF2B5EF4-FFF2-40B4-BE49-F238E27FC236}">
                 <a16:creationId xmlns:a16="http://schemas.microsoft.com/office/drawing/2014/main" id="{9F069A5F-E13C-4520-8EBD-B48B321B8BC8}"/>
               </a:ext>
             </a:extLst>
@@ -6198,7 +6418,19 @@
             </a:r>
           </a:p>
           <a:p>
+            <a:r>
+              <a:rPr lang="en-US" dirty="0"/>
+              <a:t>With seasonal events this autocorrelations has spikes due to some invents such as Carnival and Olympics.</a:t>
+            </a:r>
+          </a:p>
+          <a:p>
             <a:endParaRPr lang="en-US" dirty="0"/>
+          </a:p>
+          <a:p>
+            <a:r>
+              <a:rPr lang="en-US" dirty="0"/>
+              <a:t>Due to the high volume of people and major events during certain time of the year the means of the Autocorrelation are higher but as time goes on there is not as much traffic the mean will eventually go negative.</a:t>
+            </a:r>
           </a:p>
         </p:txBody>
       </p:sp>
@@ -6275,92 +6507,6 @@
 </p:sld>
 </file>
 
-<file path=ppt/slides/slide11.xml><?xml version="1.0" encoding="utf-8"?>
-<p:sld xmlns:a="http://schemas.openxmlformats.org/drawingml/2006/main" xmlns:r="http://schemas.openxmlformats.org/officeDocument/2006/relationships" xmlns:p="http://schemas.openxmlformats.org/presentationml/2006/main">
-  <p:cSld>
-    <p:spTree>
-      <p:nvGrpSpPr>
-        <p:cNvPr id="1" name=""/>
-        <p:cNvGrpSpPr/>
-        <p:nvPr/>
-      </p:nvGrpSpPr>
-      <p:grpSpPr>
-        <a:xfrm>
-          <a:off x="0" y="0"/>
-          <a:ext cx="0" cy="0"/>
-          <a:chOff x="0" y="0"/>
-          <a:chExt cx="0" cy="0"/>
-        </a:xfrm>
-      </p:grpSpPr>
-      <p:sp>
-        <p:nvSpPr>
-          <p:cNvPr id="2" name="Title 1">
-            <a:extLst>
-              <a:ext uri="{FF2B5EF4-FFF2-40B4-BE49-F238E27FC236}">
-                <a16:creationId xmlns:a16="http://schemas.microsoft.com/office/drawing/2014/main" id="{CDC36832-66D5-4F6A-B6DC-19966D69CB83}"/>
-              </a:ext>
-            </a:extLst>
-          </p:cNvPr>
-          <p:cNvSpPr>
-            <a:spLocks noGrp="1"/>
-          </p:cNvSpPr>
-          <p:nvPr>
-            <p:ph type="title"/>
-          </p:nvPr>
-        </p:nvSpPr>
-        <p:spPr/>
-        <p:txBody>
-          <a:bodyPr/>
-          <a:lstStyle/>
-          <a:p>
-            <a:r>
-              <a:rPr lang="en-US" dirty="0"/>
-              <a:t>Decision Tree</a:t>
-            </a:r>
-          </a:p>
-        </p:txBody>
-      </p:sp>
-      <p:sp>
-        <p:nvSpPr>
-          <p:cNvPr id="3" name="Content Placeholder 2">
-            <a:extLst>
-              <a:ext uri="{FF2B5EF4-FFF2-40B4-BE49-F238E27FC236}">
-                <a16:creationId xmlns:a16="http://schemas.microsoft.com/office/drawing/2014/main" id="{BE438779-066B-4F06-B20C-20BE8BC46D40}"/>
-              </a:ext>
-            </a:extLst>
-          </p:cNvPr>
-          <p:cNvSpPr>
-            <a:spLocks noGrp="1"/>
-          </p:cNvSpPr>
-          <p:nvPr>
-            <p:ph idx="1"/>
-          </p:nvPr>
-        </p:nvSpPr>
-        <p:spPr/>
-        <p:txBody>
-          <a:bodyPr/>
-          <a:lstStyle/>
-          <a:p>
-            <a:r>
-              <a:rPr lang="en-US" dirty="0"/>
-              <a:t>To be finalized</a:t>
-            </a:r>
-          </a:p>
-        </p:txBody>
-      </p:sp>
-    </p:spTree>
-    <p:extLst>
-      <p:ext uri="{BB962C8B-B14F-4D97-AF65-F5344CB8AC3E}">
-        <p14:creationId xmlns:p14="http://schemas.microsoft.com/office/powerpoint/2010/main" val="1609064509"/>
-      </p:ext>
-    </p:extLst>
-  </p:cSld>
-  <p:clrMapOvr>
-    <a:masterClrMapping/>
-  </p:clrMapOvr>
-</p:sld>
-</file>
-
 <file path=ppt/slides/slide12.xml><?xml version="1.0" encoding="utf-8"?>
 <p:sld xmlns:a="http://schemas.openxmlformats.org/drawingml/2006/main" xmlns:r="http://schemas.openxmlformats.org/officeDocument/2006/relationships" xmlns:p="http://schemas.openxmlformats.org/presentationml/2006/main">
   <p:cSld>
@@ -6383,6 +6529,241 @@
           <p:cNvPr id="2" name="Title 1">
             <a:extLst>
               <a:ext uri="{FF2B5EF4-FFF2-40B4-BE49-F238E27FC236}">
+                <a16:creationId xmlns:a16="http://schemas.microsoft.com/office/drawing/2014/main" id="{CDC36832-66D5-4F6A-B6DC-19966D69CB83}"/>
+              </a:ext>
+            </a:extLst>
+          </p:cNvPr>
+          <p:cNvSpPr>
+            <a:spLocks noGrp="1"/>
+          </p:cNvSpPr>
+          <p:nvPr>
+            <p:ph type="title"/>
+          </p:nvPr>
+        </p:nvSpPr>
+        <p:spPr/>
+        <p:txBody>
+          <a:bodyPr/>
+          <a:lstStyle/>
+          <a:p>
+            <a:r>
+              <a:rPr lang="en-US" dirty="0"/>
+              <a:t>Decision Tree</a:t>
+            </a:r>
+          </a:p>
+        </p:txBody>
+      </p:sp>
+      <p:sp>
+        <p:nvSpPr>
+          <p:cNvPr id="3" name="Content Placeholder 2">
+            <a:extLst>
+              <a:ext uri="{FF2B5EF4-FFF2-40B4-BE49-F238E27FC236}">
+                <a16:creationId xmlns:a16="http://schemas.microsoft.com/office/drawing/2014/main" id="{BE438779-066B-4F06-B20C-20BE8BC46D40}"/>
+              </a:ext>
+            </a:extLst>
+          </p:cNvPr>
+          <p:cNvSpPr>
+            <a:spLocks noGrp="1"/>
+          </p:cNvSpPr>
+          <p:nvPr>
+            <p:ph idx="1"/>
+          </p:nvPr>
+        </p:nvSpPr>
+        <p:spPr>
+          <a:xfrm>
+            <a:off x="1103313" y="2052918"/>
+            <a:ext cx="10488612" cy="4195481"/>
+          </a:xfrm>
+        </p:spPr>
+        <p:txBody>
+          <a:bodyPr/>
+          <a:lstStyle/>
+          <a:p>
+            <a:r>
+              <a:rPr lang="en-US" dirty="0"/>
+              <a:t>This Decision Tree showed us some surprising data, the must important feature with .47 out of 1 being arrival data week number. That make more sense when Brazil has the most traction of hotel and resort visitors during certain time of the year Such as Olympics and Carnival. Making the tree look at the weeks with the most volume of the outcomes.</a:t>
+            </a:r>
+          </a:p>
+        </p:txBody>
+      </p:sp>
+      <p:pic>
+        <p:nvPicPr>
+          <p:cNvPr id="4" name="Picture 3">
+            <a:extLst>
+              <a:ext uri="{FF2B5EF4-FFF2-40B4-BE49-F238E27FC236}">
+                <a16:creationId xmlns:a16="http://schemas.microsoft.com/office/drawing/2014/main" id="{4F9C2DC8-5613-4F19-8260-072BFD77F98D}"/>
+              </a:ext>
+            </a:extLst>
+          </p:cNvPr>
+          <p:cNvPicPr>
+            <a:picLocks noChangeAspect="1"/>
+          </p:cNvPicPr>
+          <p:nvPr/>
+        </p:nvPicPr>
+        <p:blipFill>
+          <a:blip r:embed="rId2"/>
+          <a:stretch>
+            <a:fillRect/>
+          </a:stretch>
+        </p:blipFill>
+        <p:spPr>
+          <a:xfrm>
+            <a:off x="2090229" y="4545649"/>
+            <a:ext cx="7246629" cy="1859633"/>
+          </a:xfrm>
+          <a:prstGeom prst="rect">
+            <a:avLst/>
+          </a:prstGeom>
+        </p:spPr>
+      </p:pic>
+      <p:sp>
+        <p:nvSpPr>
+          <p:cNvPr id="5" name="Rectangle 1">
+            <a:extLst>
+              <a:ext uri="{FF2B5EF4-FFF2-40B4-BE49-F238E27FC236}">
+                <a16:creationId xmlns:a16="http://schemas.microsoft.com/office/drawing/2014/main" id="{2450F589-3DDF-4E04-B369-0FC890DCD573}"/>
+              </a:ext>
+            </a:extLst>
+          </p:cNvPr>
+          <p:cNvSpPr>
+            <a:spLocks noChangeArrowheads="1"/>
+          </p:cNvSpPr>
+          <p:nvPr/>
+        </p:nvSpPr>
+        <p:spPr bwMode="auto">
+          <a:xfrm>
+            <a:off x="0" y="0"/>
+            <a:ext cx="12192000" cy="457200"/>
+          </a:xfrm>
+          <a:prstGeom prst="rect">
+            <a:avLst/>
+          </a:prstGeom>
+          <a:solidFill>
+            <a:srgbClr val="FFFFFF"/>
+          </a:solidFill>
+          <a:ln>
+            <a:noFill/>
+          </a:ln>
+          <a:effectLst/>
+          <a:extLst>
+            <a:ext uri="{91240B29-F687-4F45-9708-019B960494DF}">
+              <a14:hiddenLine xmlns:a14="http://schemas.microsoft.com/office/drawing/2010/main" w="9525">
+                <a:solidFill>
+                  <a:schemeClr val="tx1"/>
+                </a:solidFill>
+                <a:miter lim="800000"/>
+                <a:headEnd/>
+                <a:tailEnd/>
+              </a14:hiddenLine>
+            </a:ext>
+            <a:ext uri="{AF507438-7753-43E0-B8FC-AC1667EBCBE1}">
+              <a14:hiddenEffects xmlns:a14="http://schemas.microsoft.com/office/drawing/2010/main">
+                <a:effectLst>
+                  <a:outerShdw dist="35921" dir="2700000" algn="ctr" rotWithShape="0">
+                    <a:schemeClr val="bg2"/>
+                  </a:outerShdw>
+                </a:effectLst>
+              </a14:hiddenEffects>
+            </a:ext>
+          </a:extLst>
+        </p:spPr>
+        <p:txBody>
+          <a:bodyPr vert="horz" wrap="none" lIns="0" tIns="0" rIns="0" bIns="0" numCol="1" anchor="ctr" anchorCtr="0" compatLnSpc="1">
+            <a:prstTxWarp prst="textNoShape">
+              <a:avLst/>
+            </a:prstTxWarp>
+            <a:spAutoFit/>
+          </a:bodyPr>
+          <a:lstStyle/>
+          <a:p>
+            <a:pPr marL="0" marR="0" lvl="0" indent="0" algn="l" defTabSz="914400" rtl="0" eaLnBrk="0" fontAlgn="base" latinLnBrk="0" hangingPunct="0">
+              <a:lnSpc>
+                <a:spcPct val="100000"/>
+              </a:lnSpc>
+              <a:spcBef>
+                <a:spcPct val="0"/>
+              </a:spcBef>
+              <a:spcAft>
+                <a:spcPct val="0"/>
+              </a:spcAft>
+              <a:buClrTx/>
+              <a:buSzTx/>
+              <a:buFontTx/>
+              <a:buNone/>
+              <a:tabLst/>
+            </a:pPr>
+            <a:r>
+              <a:rPr kumimoji="0" lang="en-US" altLang="en-US" sz="1000" b="0" i="0" u="none" strike="noStrike" cap="none" normalizeH="0" baseline="0">
+                <a:ln>
+                  <a:noFill/>
+                </a:ln>
+                <a:solidFill>
+                  <a:schemeClr val="tx1"/>
+                </a:solidFill>
+                <a:effectLst/>
+                <a:latin typeface="var(--jp-code-font-family)"/>
+              </a:rPr>
+              <a:t>0.47436197</a:t>
+            </a:r>
+            <a:r>
+              <a:rPr kumimoji="0" lang="en-US" altLang="en-US" sz="1100" b="0" i="0" u="none" strike="noStrike" cap="none" normalizeH="0" baseline="0">
+                <a:ln>
+                  <a:noFill/>
+                </a:ln>
+                <a:solidFill>
+                  <a:schemeClr val="tx1"/>
+                </a:solidFill>
+                <a:effectLst/>
+              </a:rPr>
+              <a:t> </a:t>
+            </a:r>
+            <a:endParaRPr kumimoji="0" lang="en-US" altLang="en-US" sz="1800" b="0" i="0" u="none" strike="noStrike" cap="none" normalizeH="0" baseline="0">
+              <a:ln>
+                <a:noFill/>
+              </a:ln>
+              <a:solidFill>
+                <a:schemeClr val="tx1"/>
+              </a:solidFill>
+              <a:effectLst/>
+              <a:latin typeface="Arial" panose="020B0604020202020204" pitchFamily="34" charset="0"/>
+            </a:endParaRPr>
+          </a:p>
+        </p:txBody>
+      </p:sp>
+    </p:spTree>
+    <p:extLst>
+      <p:ext uri="{BB962C8B-B14F-4D97-AF65-F5344CB8AC3E}">
+        <p14:creationId xmlns:p14="http://schemas.microsoft.com/office/powerpoint/2010/main" val="1609064509"/>
+      </p:ext>
+    </p:extLst>
+  </p:cSld>
+  <p:clrMapOvr>
+    <a:masterClrMapping/>
+  </p:clrMapOvr>
+</p:sld>
+</file>
+
+<file path=ppt/slides/slide13.xml><?xml version="1.0" encoding="utf-8"?>
+<p:sld xmlns:a="http://schemas.openxmlformats.org/drawingml/2006/main" xmlns:r="http://schemas.openxmlformats.org/officeDocument/2006/relationships" xmlns:p="http://schemas.openxmlformats.org/presentationml/2006/main">
+  <p:cSld>
+    <p:spTree>
+      <p:nvGrpSpPr>
+        <p:cNvPr id="1" name=""/>
+        <p:cNvGrpSpPr/>
+        <p:nvPr/>
+      </p:nvGrpSpPr>
+      <p:grpSpPr>
+        <a:xfrm>
+          <a:off x="0" y="0"/>
+          <a:ext cx="0" cy="0"/>
+          <a:chOff x="0" y="0"/>
+          <a:chExt cx="0" cy="0"/>
+        </a:xfrm>
+      </p:grpSpPr>
+      <p:sp>
+        <p:nvSpPr>
+          <p:cNvPr id="2" name="Title 1">
+            <a:extLst>
+              <a:ext uri="{FF2B5EF4-FFF2-40B4-BE49-F238E27FC236}">
                 <a16:creationId xmlns:a16="http://schemas.microsoft.com/office/drawing/2014/main" id="{26D5EB43-FF8C-42BC-9CB7-29EA64587243}"/>
               </a:ext>
             </a:extLst>
@@ -6441,14 +6822,14 @@
             <a:pPr lvl="1"/>
             <a:r>
               <a:rPr lang="en-US" dirty="0"/>
-              <a:t>Epochs = 100</a:t>
+              <a:t>Epochs = 200</a:t>
             </a:r>
           </a:p>
           <a:p>
             <a:pPr lvl="1"/>
             <a:r>
               <a:rPr lang="en-US" dirty="0"/>
-              <a:t>Features = 11</a:t>
+              <a:t>Features = 15</a:t>
             </a:r>
           </a:p>
           <a:p>
@@ -6468,7 +6849,7 @@
           <a:p>
             <a:r>
               <a:rPr lang="en-US" dirty="0"/>
-              <a:t>MSE = 654</a:t>
+              <a:t>MSE Model w/ 2 Hidden Layers = 599</a:t>
             </a:r>
           </a:p>
           <a:p>
@@ -6514,10 +6895,10 @@
       </p:pic>
       <p:pic>
         <p:nvPicPr>
-          <p:cNvPr id="7" name="Picture 6">
+          <p:cNvPr id="9" name="Picture 8">
             <a:extLst>
               <a:ext uri="{FF2B5EF4-FFF2-40B4-BE49-F238E27FC236}">
-                <a16:creationId xmlns:a16="http://schemas.microsoft.com/office/drawing/2014/main" id="{09A8D98A-3C09-4015-B6CF-05F3D4C0A304}"/>
+                <a16:creationId xmlns:a16="http://schemas.microsoft.com/office/drawing/2014/main" id="{BEC64F9B-C736-4C01-A656-E2FA9E8A5268}"/>
               </a:ext>
             </a:extLst>
           </p:cNvPr>
@@ -6534,8 +6915,8 @@
         </p:blipFill>
         <p:spPr>
           <a:xfrm>
-            <a:off x="5870214" y="1424475"/>
-            <a:ext cx="4334251" cy="2530224"/>
+            <a:off x="6434662" y="1471889"/>
+            <a:ext cx="4733925" cy="2600325"/>
           </a:xfrm>
           <a:prstGeom prst="rect">
             <a:avLst/>
@@ -6555,7 +6936,7 @@
 </p:sld>
 </file>
 
-<file path=ppt/slides/slide13.xml><?xml version="1.0" encoding="utf-8"?>
+<file path=ppt/slides/slide14.xml><?xml version="1.0" encoding="utf-8"?>
 <p:sld xmlns:a="http://schemas.openxmlformats.org/drawingml/2006/main" xmlns:r="http://schemas.openxmlformats.org/officeDocument/2006/relationships" xmlns:p="http://schemas.openxmlformats.org/presentationml/2006/main">
   <p:cSld>
     <p:spTree>
@@ -6933,7 +7314,7 @@
             <a:pPr lvl="2"/>
             <a:r>
               <a:rPr lang="en-US" dirty="0"/>
-              <a:t>More granular data (hotel location)</a:t>
+              <a:t>Actual Hotel Identifier</a:t>
             </a:r>
           </a:p>
           <a:p>
@@ -6941,32 +7322,39 @@
             <a:r>
               <a:rPr lang="en-US" dirty="0"/>
               <a:t>Start Ratings</a:t>
-            </a:r>
-          </a:p>
-          <a:p>
-            <a:pPr lvl="1"/>
-            <a:r>
-              <a:rPr lang="en-US" dirty="0"/>
-              <a:t>More memory</a:t>
-            </a:r>
-          </a:p>
-          <a:p>
-            <a:pPr lvl="2"/>
-            <a:r>
-              <a:rPr lang="en-US" dirty="0"/>
-              <a:t>Dataset size caused significant slowdowns on machines</a:t>
-            </a:r>
-          </a:p>
-          <a:p>
-            <a:pPr lvl="2"/>
-            <a:r>
-              <a:rPr lang="en-US" dirty="0"/>
-              <a:t>Had to filter data to run due to size</a:t>
             </a:r>
           </a:p>
           <a:p>
             <a:pPr lvl="2"/>
             <a:endParaRPr lang="en-US" dirty="0"/>
+          </a:p>
+          <a:p>
+            <a:pPr lvl="1"/>
+            <a:r>
+              <a:rPr lang="en-US" dirty="0"/>
+              <a:t>More memory</a:t>
+            </a:r>
+          </a:p>
+          <a:p>
+            <a:pPr lvl="2"/>
+            <a:r>
+              <a:rPr lang="en-US" dirty="0"/>
+              <a:t>Dataset size caused significant slowdowns on machines</a:t>
+            </a:r>
+          </a:p>
+          <a:p>
+            <a:pPr lvl="1"/>
+            <a:r>
+              <a:rPr lang="en-US" dirty="0"/>
+              <a:t>More Models</a:t>
+            </a:r>
+          </a:p>
+          <a:p>
+            <a:pPr lvl="2"/>
+            <a:r>
+              <a:rPr lang="en-US" dirty="0"/>
+              <a:t>SRIMA model to account for seasonality</a:t>
+            </a:r>
           </a:p>
           <a:p>
             <a:endParaRPr lang="en-US" dirty="0"/>
@@ -7663,21 +8051,89 @@
           </a:p>
         </p:txBody>
       </p:sp>
+      <p:sp>
+        <p:nvSpPr>
+          <p:cNvPr id="6" name="Content Placeholder 5">
+            <a:extLst>
+              <a:ext uri="{FF2B5EF4-FFF2-40B4-BE49-F238E27FC236}">
+                <a16:creationId xmlns:a16="http://schemas.microsoft.com/office/drawing/2014/main" id="{3513808D-CE79-4785-A0CC-9BE63DBCC809}"/>
+              </a:ext>
+            </a:extLst>
+          </p:cNvPr>
+          <p:cNvSpPr>
+            <a:spLocks noGrp="1"/>
+          </p:cNvSpPr>
+          <p:nvPr>
+            <p:ph sz="half" idx="2"/>
+          </p:nvPr>
+        </p:nvSpPr>
+        <p:spPr>
+          <a:xfrm>
+            <a:off x="771775" y="1853248"/>
+            <a:ext cx="4396341" cy="4200245"/>
+          </a:xfrm>
+        </p:spPr>
+        <p:txBody>
+          <a:bodyPr>
+            <a:normAutofit fontScale="92500" lnSpcReduction="10000"/>
+          </a:bodyPr>
+          <a:lstStyle/>
+          <a:p>
+            <a:endParaRPr lang="en-US" dirty="0"/>
+          </a:p>
+          <a:p>
+            <a:r>
+              <a:rPr lang="en-US" dirty="0"/>
+              <a:t>Data split by City and Resort Hotel</a:t>
+            </a:r>
+          </a:p>
+          <a:p>
+            <a:r>
+              <a:rPr lang="en-US" dirty="0"/>
+              <a:t>Resampled based on a weekly average</a:t>
+            </a:r>
+          </a:p>
+          <a:p>
+            <a:r>
+              <a:rPr lang="en-US" dirty="0"/>
+              <a:t>High seasonality in the resort hotel data with high peaks and valleys with peak time in the summer / </a:t>
+            </a:r>
+            <a:r>
+              <a:rPr lang="en-US" dirty="0" err="1"/>
+              <a:t>lat</a:t>
+            </a:r>
+            <a:r>
+              <a:rPr lang="en-US" dirty="0"/>
+              <a:t> fall months.</a:t>
+            </a:r>
+          </a:p>
+          <a:p>
+            <a:r>
+              <a:rPr lang="en-US" dirty="0"/>
+              <a:t>General upward trend in the City hotel prices over time.  </a:t>
+            </a:r>
+          </a:p>
+          <a:p>
+            <a:r>
+              <a:rPr lang="en-US" dirty="0"/>
+              <a:t>Data indicates the best time to travel to save money is during the non peak times outside of vacation season or holidays</a:t>
+            </a:r>
+          </a:p>
+        </p:txBody>
+      </p:sp>
       <p:pic>
         <p:nvPicPr>
-          <p:cNvPr id="5" name="Content Placeholder 4">
+          <p:cNvPr id="8" name="Picture 7">
             <a:extLst>
               <a:ext uri="{FF2B5EF4-FFF2-40B4-BE49-F238E27FC236}">
-                <a16:creationId xmlns:a16="http://schemas.microsoft.com/office/drawing/2014/main" id="{468DEEEC-3BB6-485B-9148-C3F6CAE0E102}"/>
+                <a16:creationId xmlns:a16="http://schemas.microsoft.com/office/drawing/2014/main" id="{DFF84FE2-FA97-4639-BFF5-78021B32F765}"/>
               </a:ext>
             </a:extLst>
           </p:cNvPr>
           <p:cNvPicPr>
-            <a:picLocks noGrp="1" noChangeAspect="1"/>
+            <a:picLocks noChangeAspect="1"/>
           </p:cNvPicPr>
-          <p:nvPr>
-            <p:ph sz="half" idx="1"/>
-          </p:nvPr>
+          <p:nvPr/>
         </p:nvPicPr>
         <p:blipFill>
           <a:blip r:embed="rId2"/>
@@ -7687,81 +8143,44 @@
         </p:blipFill>
         <p:spPr>
           <a:xfrm>
-            <a:off x="5808478" y="2161047"/>
-            <a:ext cx="5164322" cy="3584647"/>
+            <a:off x="5833024" y="1853248"/>
+            <a:ext cx="5587201" cy="2379585"/>
           </a:xfrm>
+          <a:prstGeom prst="rect">
+            <a:avLst/>
+          </a:prstGeom>
         </p:spPr>
       </p:pic>
-      <p:sp>
-        <p:nvSpPr>
-          <p:cNvPr id="6" name="Content Placeholder 5">
+      <p:pic>
+        <p:nvPicPr>
+          <p:cNvPr id="10" name="Picture 9">
             <a:extLst>
               <a:ext uri="{FF2B5EF4-FFF2-40B4-BE49-F238E27FC236}">
-                <a16:creationId xmlns:a16="http://schemas.microsoft.com/office/drawing/2014/main" id="{3513808D-CE79-4785-A0CC-9BE63DBCC809}"/>
+                <a16:creationId xmlns:a16="http://schemas.microsoft.com/office/drawing/2014/main" id="{8A5C2F40-F0C6-4BD5-B0F0-C8F7E45B1CE7}"/>
               </a:ext>
             </a:extLst>
           </p:cNvPr>
-          <p:cNvSpPr>
-            <a:spLocks noGrp="1"/>
-          </p:cNvSpPr>
-          <p:nvPr>
-            <p:ph sz="half" idx="2"/>
-          </p:nvPr>
-        </p:nvSpPr>
+          <p:cNvPicPr>
+            <a:picLocks noChangeAspect="1"/>
+          </p:cNvPicPr>
+          <p:nvPr/>
+        </p:nvPicPr>
+        <p:blipFill>
+          <a:blip r:embed="rId3"/>
+          <a:stretch>
+            <a:fillRect/>
+          </a:stretch>
+        </p:blipFill>
         <p:spPr>
           <a:xfrm>
-            <a:off x="771775" y="1853248"/>
-            <a:ext cx="4396341" cy="4200245"/>
+            <a:off x="5833024" y="4304252"/>
+            <a:ext cx="5587202" cy="2249780"/>
           </a:xfrm>
+          <a:prstGeom prst="rect">
+            <a:avLst/>
+          </a:prstGeom>
         </p:spPr>
-        <p:txBody>
-          <a:bodyPr>
-            <a:normAutofit lnSpcReduction="10000"/>
-          </a:bodyPr>
-          <a:lstStyle/>
-          <a:p>
-            <a:endParaRPr lang="en-US" dirty="0"/>
-          </a:p>
-          <a:p>
-            <a:r>
-              <a:rPr lang="en-US" dirty="0"/>
-              <a:t>Data split by City and Resort Hotel</a:t>
-            </a:r>
-          </a:p>
-          <a:p>
-            <a:r>
-              <a:rPr lang="en-US" dirty="0"/>
-              <a:t>Resampled based on a weekly average</a:t>
-            </a:r>
-          </a:p>
-          <a:p>
-            <a:r>
-              <a:rPr lang="en-US" dirty="0"/>
-              <a:t>High seasonality in the resort hotel data with high peaks and valleys with peak time in the summer / </a:t>
-            </a:r>
-            <a:r>
-              <a:rPr lang="en-US" dirty="0" err="1"/>
-              <a:t>lat</a:t>
-            </a:r>
-            <a:r>
-              <a:rPr lang="en-US" dirty="0"/>
-              <a:t> fall months.</a:t>
-            </a:r>
-          </a:p>
-          <a:p>
-            <a:r>
-              <a:rPr lang="en-US" dirty="0"/>
-              <a:t>General upward trend in the City hotel prices over time.  </a:t>
-            </a:r>
-          </a:p>
-          <a:p>
-            <a:r>
-              <a:rPr lang="en-US" dirty="0"/>
-              <a:t>Data indicates the best time to travel to save money is during the non peak times such as winter and early  Spring</a:t>
-            </a:r>
-          </a:p>
-        </p:txBody>
-      </p:sp>
+      </p:pic>
     </p:spTree>
     <p:extLst>
       <p:ext uri="{BB962C8B-B14F-4D97-AF65-F5344CB8AC3E}">
@@ -7776,6 +8195,164 @@
 </file>
 
 <file path=ppt/slides/slide8.xml><?xml version="1.0" encoding="utf-8"?>
+<p:sld xmlns:a="http://schemas.openxmlformats.org/drawingml/2006/main" xmlns:r="http://schemas.openxmlformats.org/officeDocument/2006/relationships" xmlns:p="http://schemas.openxmlformats.org/presentationml/2006/main">
+  <p:cSld>
+    <p:spTree>
+      <p:nvGrpSpPr>
+        <p:cNvPr id="1" name=""/>
+        <p:cNvGrpSpPr/>
+        <p:nvPr/>
+      </p:nvGrpSpPr>
+      <p:grpSpPr>
+        <a:xfrm>
+          <a:off x="0" y="0"/>
+          <a:ext cx="0" cy="0"/>
+          <a:chOff x="0" y="0"/>
+          <a:chExt cx="0" cy="0"/>
+        </a:xfrm>
+      </p:grpSpPr>
+      <p:sp>
+        <p:nvSpPr>
+          <p:cNvPr id="2" name="Title 1">
+            <a:extLst>
+              <a:ext uri="{FF2B5EF4-FFF2-40B4-BE49-F238E27FC236}">
+                <a16:creationId xmlns:a16="http://schemas.microsoft.com/office/drawing/2014/main" id="{EB5F515C-88C9-414F-917C-1DA2F3A8B925}"/>
+              </a:ext>
+            </a:extLst>
+          </p:cNvPr>
+          <p:cNvSpPr>
+            <a:spLocks noGrp="1"/>
+          </p:cNvSpPr>
+          <p:nvPr>
+            <p:ph type="title"/>
+          </p:nvPr>
+        </p:nvSpPr>
+        <p:spPr/>
+        <p:txBody>
+          <a:bodyPr/>
+          <a:lstStyle/>
+          <a:p>
+            <a:r>
+              <a:rPr lang="en-US" dirty="0"/>
+              <a:t>Lead Time &amp; ADR</a:t>
+            </a:r>
+          </a:p>
+        </p:txBody>
+      </p:sp>
+      <p:sp>
+        <p:nvSpPr>
+          <p:cNvPr id="3" name="Content Placeholder 2">
+            <a:extLst>
+              <a:ext uri="{FF2B5EF4-FFF2-40B4-BE49-F238E27FC236}">
+                <a16:creationId xmlns:a16="http://schemas.microsoft.com/office/drawing/2014/main" id="{A9F39019-F9F9-4F50-9DEA-EAC1B3034DE6}"/>
+              </a:ext>
+            </a:extLst>
+          </p:cNvPr>
+          <p:cNvSpPr>
+            <a:spLocks noGrp="1"/>
+          </p:cNvSpPr>
+          <p:nvPr>
+            <p:ph sz="half" idx="1"/>
+          </p:nvPr>
+        </p:nvSpPr>
+        <p:spPr/>
+        <p:txBody>
+          <a:bodyPr/>
+          <a:lstStyle/>
+          <a:p>
+            <a:r>
+              <a:rPr lang="en-US" dirty="0"/>
+              <a:t>Average ADR based on Lead Time (in days) was plotted to examine the relationship.</a:t>
+            </a:r>
+          </a:p>
+          <a:p>
+            <a:r>
+              <a:rPr lang="en-US" dirty="0"/>
+              <a:t>There is a linear relationship between city ADR and lead time.</a:t>
+            </a:r>
+          </a:p>
+          <a:p>
+            <a:r>
+              <a:rPr lang="en-US" dirty="0"/>
+              <a:t>There is not a strong linear relationship between resort ADR and lead time. </a:t>
+            </a:r>
+          </a:p>
+        </p:txBody>
+      </p:sp>
+      <p:pic>
+        <p:nvPicPr>
+          <p:cNvPr id="10" name="Picture 9">
+            <a:extLst>
+              <a:ext uri="{FF2B5EF4-FFF2-40B4-BE49-F238E27FC236}">
+                <a16:creationId xmlns:a16="http://schemas.microsoft.com/office/drawing/2014/main" id="{CD32209E-77AB-45CA-96DD-A321F5F2D45D}"/>
+              </a:ext>
+            </a:extLst>
+          </p:cNvPr>
+          <p:cNvPicPr>
+            <a:picLocks noChangeAspect="1"/>
+          </p:cNvPicPr>
+          <p:nvPr/>
+        </p:nvPicPr>
+        <p:blipFill>
+          <a:blip r:embed="rId2"/>
+          <a:stretch>
+            <a:fillRect/>
+          </a:stretch>
+        </p:blipFill>
+        <p:spPr>
+          <a:xfrm>
+            <a:off x="6275338" y="4030547"/>
+            <a:ext cx="5036527" cy="2106184"/>
+          </a:xfrm>
+          <a:prstGeom prst="rect">
+            <a:avLst/>
+          </a:prstGeom>
+        </p:spPr>
+      </p:pic>
+      <p:pic>
+        <p:nvPicPr>
+          <p:cNvPr id="14" name="Picture 13">
+            <a:extLst>
+              <a:ext uri="{FF2B5EF4-FFF2-40B4-BE49-F238E27FC236}">
+                <a16:creationId xmlns:a16="http://schemas.microsoft.com/office/drawing/2014/main" id="{A806824D-8363-4279-8859-E6A181174063}"/>
+              </a:ext>
+            </a:extLst>
+          </p:cNvPr>
+          <p:cNvPicPr>
+            <a:picLocks noChangeAspect="1"/>
+          </p:cNvPicPr>
+          <p:nvPr/>
+        </p:nvPicPr>
+        <p:blipFill>
+          <a:blip r:embed="rId3"/>
+          <a:stretch>
+            <a:fillRect/>
+          </a:stretch>
+        </p:blipFill>
+        <p:spPr>
+          <a:xfrm>
+            <a:off x="6275338" y="1723409"/>
+            <a:ext cx="5036527" cy="2034892"/>
+          </a:xfrm>
+          <a:prstGeom prst="rect">
+            <a:avLst/>
+          </a:prstGeom>
+        </p:spPr>
+      </p:pic>
+    </p:spTree>
+    <p:extLst>
+      <p:ext uri="{BB962C8B-B14F-4D97-AF65-F5344CB8AC3E}">
+        <p14:creationId xmlns:p14="http://schemas.microsoft.com/office/powerpoint/2010/main" val="929570800"/>
+      </p:ext>
+    </p:extLst>
+  </p:cSld>
+  <p:clrMapOvr>
+    <a:masterClrMapping/>
+  </p:clrMapOvr>
+</p:sld>
+</file>
+
+<file path=ppt/slides/slide9.xml><?xml version="1.0" encoding="utf-8"?>
 <p:sld xmlns:a="http://schemas.openxmlformats.org/drawingml/2006/main" xmlns:r="http://schemas.openxmlformats.org/officeDocument/2006/relationships" xmlns:p="http://schemas.openxmlformats.org/presentationml/2006/main">
   <p:cSld>
     <p:spTree>
@@ -7969,127 +8546,6 @@
     <p:extLst>
       <p:ext uri="{BB962C8B-B14F-4D97-AF65-F5344CB8AC3E}">
         <p14:creationId xmlns:p14="http://schemas.microsoft.com/office/powerpoint/2010/main" val="2505208328"/>
-      </p:ext>
-    </p:extLst>
-  </p:cSld>
-  <p:clrMapOvr>
-    <a:masterClrMapping/>
-  </p:clrMapOvr>
-</p:sld>
-</file>
-
-<file path=ppt/slides/slide9.xml><?xml version="1.0" encoding="utf-8"?>
-<p:sld xmlns:a="http://schemas.openxmlformats.org/drawingml/2006/main" xmlns:r="http://schemas.openxmlformats.org/officeDocument/2006/relationships" xmlns:p="http://schemas.openxmlformats.org/presentationml/2006/main">
-  <p:cSld>
-    <p:spTree>
-      <p:nvGrpSpPr>
-        <p:cNvPr id="1" name=""/>
-        <p:cNvGrpSpPr/>
-        <p:nvPr/>
-      </p:nvGrpSpPr>
-      <p:grpSpPr>
-        <a:xfrm>
-          <a:off x="0" y="0"/>
-          <a:ext cx="0" cy="0"/>
-          <a:chOff x="0" y="0"/>
-          <a:chExt cx="0" cy="0"/>
-        </a:xfrm>
-      </p:grpSpPr>
-      <p:sp>
-        <p:nvSpPr>
-          <p:cNvPr id="2" name="Title 1">
-            <a:extLst>
-              <a:ext uri="{FF2B5EF4-FFF2-40B4-BE49-F238E27FC236}">
-                <a16:creationId xmlns:a16="http://schemas.microsoft.com/office/drawing/2014/main" id="{7B265802-3FE0-4788-A3F7-6F54419EB426}"/>
-              </a:ext>
-            </a:extLst>
-          </p:cNvPr>
-          <p:cNvSpPr>
-            <a:spLocks noGrp="1"/>
-          </p:cNvSpPr>
-          <p:nvPr>
-            <p:ph type="title"/>
-          </p:nvPr>
-        </p:nvSpPr>
-        <p:spPr/>
-        <p:txBody>
-          <a:bodyPr/>
-          <a:lstStyle/>
-          <a:p>
-            <a:r>
-              <a:rPr lang="en-US" dirty="0"/>
-              <a:t>Linear Regression</a:t>
-            </a:r>
-          </a:p>
-        </p:txBody>
-      </p:sp>
-      <p:sp>
-        <p:nvSpPr>
-          <p:cNvPr id="3" name="Content Placeholder 2">
-            <a:extLst>
-              <a:ext uri="{FF2B5EF4-FFF2-40B4-BE49-F238E27FC236}">
-                <a16:creationId xmlns:a16="http://schemas.microsoft.com/office/drawing/2014/main" id="{333B0B37-88E7-4269-A4D7-EC80DEF9F225}"/>
-              </a:ext>
-            </a:extLst>
-          </p:cNvPr>
-          <p:cNvSpPr>
-            <a:spLocks noGrp="1"/>
-          </p:cNvSpPr>
-          <p:nvPr>
-            <p:ph idx="1"/>
-          </p:nvPr>
-        </p:nvSpPr>
-        <p:spPr>
-          <a:xfrm>
-            <a:off x="646111" y="1617913"/>
-            <a:ext cx="3832672" cy="4195481"/>
-          </a:xfrm>
-        </p:spPr>
-        <p:txBody>
-          <a:bodyPr/>
-          <a:lstStyle/>
-          <a:p>
-            <a:r>
-              <a:rPr lang="en-US" dirty="0"/>
-              <a:t>To be finalized</a:t>
-            </a:r>
-          </a:p>
-        </p:txBody>
-      </p:sp>
-      <p:pic>
-        <p:nvPicPr>
-          <p:cNvPr id="7" name="Picture 6">
-            <a:extLst>
-              <a:ext uri="{FF2B5EF4-FFF2-40B4-BE49-F238E27FC236}">
-                <a16:creationId xmlns:a16="http://schemas.microsoft.com/office/drawing/2014/main" id="{6DC3E07B-92C6-4E49-B3DE-153FB20D121E}"/>
-              </a:ext>
-            </a:extLst>
-          </p:cNvPr>
-          <p:cNvPicPr>
-            <a:picLocks noChangeAspect="1"/>
-          </p:cNvPicPr>
-          <p:nvPr/>
-        </p:nvPicPr>
-        <p:blipFill>
-          <a:blip r:embed="rId2"/>
-          <a:stretch>
-            <a:fillRect/>
-          </a:stretch>
-        </p:blipFill>
-        <p:spPr>
-          <a:xfrm>
-            <a:off x="5687627" y="1617913"/>
-            <a:ext cx="5921407" cy="2774950"/>
-          </a:xfrm>
-          <a:prstGeom prst="rect">
-            <a:avLst/>
-          </a:prstGeom>
-        </p:spPr>
-      </p:pic>
-    </p:spTree>
-    <p:extLst>
-      <p:ext uri="{BB962C8B-B14F-4D97-AF65-F5344CB8AC3E}">
-        <p14:creationId xmlns:p14="http://schemas.microsoft.com/office/powerpoint/2010/main" val="424489951"/>
       </p:ext>
     </p:extLst>
   </p:cSld>

--- a/Project_Presentation.pptx
+++ b/Project_Presentation.pptx
@@ -13,11 +13,11 @@
     <p:sldId id="265" r:id="rId7"/>
     <p:sldId id="267" r:id="rId8"/>
     <p:sldId id="269" r:id="rId9"/>
-    <p:sldId id="261" r:id="rId10"/>
-    <p:sldId id="266" r:id="rId11"/>
+    <p:sldId id="266" r:id="rId10"/>
+    <p:sldId id="263" r:id="rId11"/>
     <p:sldId id="268" r:id="rId12"/>
     <p:sldId id="262" r:id="rId13"/>
-    <p:sldId id="263" r:id="rId14"/>
+    <p:sldId id="261" r:id="rId14"/>
     <p:sldId id="264" r:id="rId15"/>
   </p:sldIdLst>
   <p:sldSz cx="12192000" cy="6858000"/>
@@ -308,7 +308,7 @@
           <a:p>
             <a:fld id="{6931C06E-6E04-410A-B385-B555B945CD5F}" type="datetimeFigureOut">
               <a:rPr lang="en-US" smtClean="0"/>
-              <a:t>8/24/2020</a:t>
+              <a:t>8/26/2020</a:t>
             </a:fld>
             <a:endParaRPr lang="en-US"/>
           </a:p>
@@ -583,7 +583,7 @@
           <a:p>
             <a:fld id="{6931C06E-6E04-410A-B385-B555B945CD5F}" type="datetimeFigureOut">
               <a:rPr lang="en-US" smtClean="0"/>
-              <a:t>8/24/2020</a:t>
+              <a:t>8/26/2020</a:t>
             </a:fld>
             <a:endParaRPr lang="en-US"/>
           </a:p>
@@ -777,7 +777,7 @@
           <a:p>
             <a:fld id="{6931C06E-6E04-410A-B385-B555B945CD5F}" type="datetimeFigureOut">
               <a:rPr lang="en-US" smtClean="0"/>
-              <a:t>8/24/2020</a:t>
+              <a:t>8/26/2020</a:t>
             </a:fld>
             <a:endParaRPr lang="en-US"/>
           </a:p>
@@ -1045,7 +1045,7 @@
           <a:p>
             <a:fld id="{6931C06E-6E04-410A-B385-B555B945CD5F}" type="datetimeFigureOut">
               <a:rPr lang="en-US" smtClean="0"/>
-              <a:t>8/24/2020</a:t>
+              <a:t>8/26/2020</a:t>
             </a:fld>
             <a:endParaRPr lang="en-US"/>
           </a:p>
@@ -1377,7 +1377,7 @@
           <a:p>
             <a:fld id="{6931C06E-6E04-410A-B385-B555B945CD5F}" type="datetimeFigureOut">
               <a:rPr lang="en-US" smtClean="0"/>
-              <a:t>8/24/2020</a:t>
+              <a:t>8/26/2020</a:t>
             </a:fld>
             <a:endParaRPr lang="en-US"/>
           </a:p>
@@ -1987,7 +1987,7 @@
           <a:p>
             <a:fld id="{6931C06E-6E04-410A-B385-B555B945CD5F}" type="datetimeFigureOut">
               <a:rPr lang="en-US" smtClean="0"/>
-              <a:t>8/24/2020</a:t>
+              <a:t>8/26/2020</a:t>
             </a:fld>
             <a:endParaRPr lang="en-US"/>
           </a:p>
@@ -2834,7 +2834,7 @@
           <a:p>
             <a:fld id="{6931C06E-6E04-410A-B385-B555B945CD5F}" type="datetimeFigureOut">
               <a:rPr lang="en-US" smtClean="0"/>
-              <a:t>8/24/2020</a:t>
+              <a:t>8/26/2020</a:t>
             </a:fld>
             <a:endParaRPr lang="en-US"/>
           </a:p>
@@ -3004,7 +3004,7 @@
           <a:p>
             <a:fld id="{6931C06E-6E04-410A-B385-B555B945CD5F}" type="datetimeFigureOut">
               <a:rPr lang="en-US" smtClean="0"/>
-              <a:t>8/24/2020</a:t>
+              <a:t>8/26/2020</a:t>
             </a:fld>
             <a:endParaRPr lang="en-US"/>
           </a:p>
@@ -3184,7 +3184,7 @@
           <a:p>
             <a:fld id="{6931C06E-6E04-410A-B385-B555B945CD5F}" type="datetimeFigureOut">
               <a:rPr lang="en-US" smtClean="0"/>
-              <a:t>8/24/2020</a:t>
+              <a:t>8/26/2020</a:t>
             </a:fld>
             <a:endParaRPr lang="en-US"/>
           </a:p>
@@ -3354,7 +3354,7 @@
           <a:p>
             <a:fld id="{6931C06E-6E04-410A-B385-B555B945CD5F}" type="datetimeFigureOut">
               <a:rPr lang="en-US" smtClean="0"/>
-              <a:t>8/24/2020</a:t>
+              <a:t>8/26/2020</a:t>
             </a:fld>
             <a:endParaRPr lang="en-US"/>
           </a:p>
@@ -3598,7 +3598,7 @@
           <a:p>
             <a:fld id="{6931C06E-6E04-410A-B385-B555B945CD5F}" type="datetimeFigureOut">
               <a:rPr lang="en-US" smtClean="0"/>
-              <a:t>8/24/2020</a:t>
+              <a:t>8/26/2020</a:t>
             </a:fld>
             <a:endParaRPr lang="en-US"/>
           </a:p>
@@ -3890,7 +3890,7 @@
           <a:p>
             <a:fld id="{6931C06E-6E04-410A-B385-B555B945CD5F}" type="datetimeFigureOut">
               <a:rPr lang="en-US" smtClean="0"/>
-              <a:t>8/24/2020</a:t>
+              <a:t>8/26/2020</a:t>
             </a:fld>
             <a:endParaRPr lang="en-US"/>
           </a:p>
@@ -4328,7 +4328,7 @@
           <a:p>
             <a:fld id="{6931C06E-6E04-410A-B385-B555B945CD5F}" type="datetimeFigureOut">
               <a:rPr lang="en-US" smtClean="0"/>
-              <a:t>8/24/2020</a:t>
+              <a:t>8/26/2020</a:t>
             </a:fld>
             <a:endParaRPr lang="en-US"/>
           </a:p>
@@ -4446,7 +4446,7 @@
           <a:p>
             <a:fld id="{6931C06E-6E04-410A-B385-B555B945CD5F}" type="datetimeFigureOut">
               <a:rPr lang="en-US" smtClean="0"/>
-              <a:t>8/24/2020</a:t>
+              <a:t>8/26/2020</a:t>
             </a:fld>
             <a:endParaRPr lang="en-US"/>
           </a:p>
@@ -4541,7 +4541,7 @@
           <a:p>
             <a:fld id="{6931C06E-6E04-410A-B385-B555B945CD5F}" type="datetimeFigureOut">
               <a:rPr lang="en-US" smtClean="0"/>
-              <a:t>8/24/2020</a:t>
+              <a:t>8/26/2020</a:t>
             </a:fld>
             <a:endParaRPr lang="en-US"/>
           </a:p>
@@ -4820,7 +4820,7 @@
           <a:p>
             <a:fld id="{6931C06E-6E04-410A-B385-B555B945CD5F}" type="datetimeFigureOut">
               <a:rPr lang="en-US" smtClean="0"/>
-              <a:t>8/24/2020</a:t>
+              <a:t>8/26/2020</a:t>
             </a:fld>
             <a:endParaRPr lang="en-US"/>
           </a:p>
@@ -5095,7 +5095,7 @@
           <a:p>
             <a:fld id="{6931C06E-6E04-410A-B385-B555B945CD5F}" type="datetimeFigureOut">
               <a:rPr lang="en-US" smtClean="0"/>
-              <a:t>8/24/2020</a:t>
+              <a:t>8/26/2020</a:t>
             </a:fld>
             <a:endParaRPr lang="en-US"/>
           </a:p>
@@ -5524,7 +5524,7 @@
           <a:p>
             <a:fld id="{6931C06E-6E04-410A-B385-B555B945CD5F}" type="datetimeFigureOut">
               <a:rPr lang="en-US" smtClean="0"/>
-              <a:t>8/24/2020</a:t>
+              <a:t>8/26/2020</a:t>
             </a:fld>
             <a:endParaRPr lang="en-US"/>
           </a:p>
@@ -6137,7 +6137,7 @@
           <p:cNvPr id="2" name="Title 1">
             <a:extLst>
               <a:ext uri="{FF2B5EF4-FFF2-40B4-BE49-F238E27FC236}">
-                <a16:creationId xmlns:a16="http://schemas.microsoft.com/office/drawing/2014/main" id="{7B265802-3FE0-4788-A3F7-6F54419EB426}"/>
+                <a16:creationId xmlns:a16="http://schemas.microsoft.com/office/drawing/2014/main" id="{26D5EB43-FF8C-42BC-9CB7-29EA64587243}"/>
               </a:ext>
             </a:extLst>
           </p:cNvPr>
@@ -6155,12 +6155,8 @@
           <a:p>
             <a:r>
               <a:rPr lang="en-US" dirty="0"/>
-              <a:t>Linear Regression &amp; K Nearest Neighbors</a:t>
-            </a:r>
-            <a:br>
-              <a:rPr lang="en-US" dirty="0"/>
-            </a:br>
-            <a:endParaRPr lang="en-US" dirty="0"/>
+              <a:t>Deep Learning Techniques</a:t>
+            </a:r>
           </a:p>
         </p:txBody>
       </p:sp>
@@ -6169,7 +6165,7 @@
           <p:cNvPr id="3" name="Content Placeholder 2">
             <a:extLst>
               <a:ext uri="{FF2B5EF4-FFF2-40B4-BE49-F238E27FC236}">
-                <a16:creationId xmlns:a16="http://schemas.microsoft.com/office/drawing/2014/main" id="{333B0B37-88E7-4269-A4D7-EC80DEF9F225}"/>
+                <a16:creationId xmlns:a16="http://schemas.microsoft.com/office/drawing/2014/main" id="{3BDBEEB5-E7D7-4B3D-A132-B7765A420E86}"/>
               </a:ext>
             </a:extLst>
           </p:cNvPr>
@@ -6182,8 +6178,8 @@
         </p:nvSpPr>
         <p:spPr>
           <a:xfrm>
-            <a:off x="646110" y="2112885"/>
-            <a:ext cx="4778145" cy="3700509"/>
+            <a:off x="1023413" y="2070673"/>
+            <a:ext cx="4507375" cy="4195481"/>
           </a:xfrm>
         </p:spPr>
         <p:txBody>
@@ -6192,42 +6188,51 @@
           <a:p>
             <a:r>
               <a:rPr lang="en-US" dirty="0"/>
-              <a:t>Linear Regression</a:t>
+              <a:t>Ran two models with following:</a:t>
             </a:r>
           </a:p>
           <a:p>
             <a:pPr lvl="1"/>
             <a:r>
               <a:rPr lang="en-US" dirty="0"/>
-              <a:t>Analysis was performed based on the average ADR and lead time for both City and Resort data.</a:t>
+              <a:t>Epochs = 200</a:t>
             </a:r>
           </a:p>
           <a:p>
             <a:pPr lvl="1"/>
             <a:r>
               <a:rPr lang="en-US" dirty="0"/>
-              <a:t>Model result for City had MSE of 15.38.</a:t>
+              <a:t>Features = 15</a:t>
             </a:r>
           </a:p>
           <a:p>
             <a:pPr lvl="1"/>
             <a:r>
               <a:rPr lang="en-US" dirty="0"/>
-              <a:t>Model result for Resort had MSE of 39.22.</a:t>
-            </a:r>
-          </a:p>
-          <a:p>
-            <a:r>
-              <a:rPr lang="en-US" dirty="0"/>
-              <a:t>KNN</a:t>
+              <a:t>Nodes = 8</a:t>
             </a:r>
           </a:p>
           <a:p>
             <a:pPr lvl="1"/>
             <a:r>
               <a:rPr lang="en-US" dirty="0"/>
-              <a:t>City data had MSE of 15.06</a:t>
-            </a:r>
+              <a:t>Activation = Linear</a:t>
+            </a:r>
+          </a:p>
+          <a:p>
+            <a:r>
+              <a:rPr lang="en-US" dirty="0"/>
+              <a:t>MSE Model w/ 1 Hidden Layers = 572</a:t>
+            </a:r>
+          </a:p>
+          <a:p>
+            <a:r>
+              <a:rPr lang="en-US" dirty="0"/>
+              <a:t>Results indicate the model is within $100 dollars of the actual value which is not accurate. </a:t>
+            </a:r>
+          </a:p>
+          <a:p>
+            <a:endParaRPr lang="en-US" dirty="0"/>
           </a:p>
         </p:txBody>
       </p:sp>
@@ -6236,7 +6241,7 @@
           <p:cNvPr id="5" name="Picture 4">
             <a:extLst>
               <a:ext uri="{FF2B5EF4-FFF2-40B4-BE49-F238E27FC236}">
-                <a16:creationId xmlns:a16="http://schemas.microsoft.com/office/drawing/2014/main" id="{D3D4F0F6-D7D9-4195-8708-B66E688401A6}"/>
+                <a16:creationId xmlns:a16="http://schemas.microsoft.com/office/drawing/2014/main" id="{4EE66B4E-F594-44FD-82FC-730671C72EE6}"/>
               </a:ext>
             </a:extLst>
           </p:cNvPr>
@@ -6253,8 +6258,8 @@
         </p:blipFill>
         <p:spPr>
           <a:xfrm>
-            <a:off x="5997430" y="1869557"/>
-            <a:ext cx="2959341" cy="1784309"/>
+            <a:off x="5838050" y="4168413"/>
+            <a:ext cx="6093538" cy="2366012"/>
           </a:xfrm>
           <a:prstGeom prst="rect">
             <a:avLst/>
@@ -6263,10 +6268,10 @@
       </p:pic>
       <p:pic>
         <p:nvPicPr>
-          <p:cNvPr id="8" name="Picture 7">
+          <p:cNvPr id="9" name="Picture 8">
             <a:extLst>
               <a:ext uri="{FF2B5EF4-FFF2-40B4-BE49-F238E27FC236}">
-                <a16:creationId xmlns:a16="http://schemas.microsoft.com/office/drawing/2014/main" id="{A8150C74-7466-421B-B326-09996A1AD78C}"/>
+                <a16:creationId xmlns:a16="http://schemas.microsoft.com/office/drawing/2014/main" id="{BEC64F9B-C736-4C01-A656-E2FA9E8A5268}"/>
               </a:ext>
             </a:extLst>
           </p:cNvPr>
@@ -6283,38 +6288,8 @@
         </p:blipFill>
         <p:spPr>
           <a:xfrm>
-            <a:off x="9130815" y="1869557"/>
-            <a:ext cx="2959341" cy="1768000"/>
-          </a:xfrm>
-          <a:prstGeom prst="rect">
-            <a:avLst/>
-          </a:prstGeom>
-        </p:spPr>
-      </p:pic>
-      <p:pic>
-        <p:nvPicPr>
-          <p:cNvPr id="10" name="Picture 9">
-            <a:extLst>
-              <a:ext uri="{FF2B5EF4-FFF2-40B4-BE49-F238E27FC236}">
-                <a16:creationId xmlns:a16="http://schemas.microsoft.com/office/drawing/2014/main" id="{F5D0570B-4168-4938-B559-E28CC076D681}"/>
-              </a:ext>
-            </a:extLst>
-          </p:cNvPr>
-          <p:cNvPicPr>
-            <a:picLocks noChangeAspect="1"/>
-          </p:cNvPicPr>
-          <p:nvPr/>
-        </p:nvPicPr>
-        <p:blipFill>
-          <a:blip r:embed="rId4"/>
-          <a:stretch>
-            <a:fillRect/>
-          </a:stretch>
-        </p:blipFill>
-        <p:spPr>
-          <a:xfrm>
-            <a:off x="6575273" y="3802367"/>
-            <a:ext cx="5111083" cy="2011027"/>
+            <a:off x="6434662" y="1471889"/>
+            <a:ext cx="4733925" cy="2600325"/>
           </a:xfrm>
           <a:prstGeom prst="rect">
             <a:avLst/>
@@ -6324,7 +6299,7 @@
     </p:spTree>
     <p:extLst>
       <p:ext uri="{BB962C8B-B14F-4D97-AF65-F5344CB8AC3E}">
-        <p14:creationId xmlns:p14="http://schemas.microsoft.com/office/powerpoint/2010/main" val="424489951"/>
+        <p14:creationId xmlns:p14="http://schemas.microsoft.com/office/powerpoint/2010/main" val="3714578013"/>
       </p:ext>
     </p:extLst>
   </p:cSld>
@@ -6420,7 +6395,7 @@
           <a:p>
             <a:r>
               <a:rPr lang="en-US" dirty="0"/>
-              <a:t>With seasonal events this autocorrelations has spikes due to some invents such as Carnival and Olympics.</a:t>
+              <a:t>With seasonal events this autocorrelations has spikes due to some events such as Carnival and Olympics.</a:t>
             </a:r>
           </a:p>
           <a:p>
@@ -6580,7 +6555,7 @@
           <a:p>
             <a:r>
               <a:rPr lang="en-US" dirty="0"/>
-              <a:t>This Decision Tree showed us some surprising data, the must important feature with .47 out of 1 being arrival data week number. That make more sense when Brazil has the most traction of hotel and resort visitors during certain time of the year Such as Olympics and Carnival. Making the tree look at the weeks with the most volume of the outcomes.</a:t>
+              <a:t>This Decision Tree showed us some surprising data, the must important feature with 47% out of 1 being arrival data week number. That make more sense when Brazil has the most traction of hotel and resort visitors during certain time of the year Such as Olympics and Carnival. Making the tree look at the weeks with the most volume of the outcomes.</a:t>
             </a:r>
           </a:p>
         </p:txBody>
@@ -6764,7 +6739,7 @@
           <p:cNvPr id="2" name="Title 1">
             <a:extLst>
               <a:ext uri="{FF2B5EF4-FFF2-40B4-BE49-F238E27FC236}">
-                <a16:creationId xmlns:a16="http://schemas.microsoft.com/office/drawing/2014/main" id="{26D5EB43-FF8C-42BC-9CB7-29EA64587243}"/>
+                <a16:creationId xmlns:a16="http://schemas.microsoft.com/office/drawing/2014/main" id="{0BF00337-9BC9-4E1F-AEFC-9E46E51222FC}"/>
               </a:ext>
             </a:extLst>
           </p:cNvPr>
@@ -6782,7 +6757,7 @@
           <a:p>
             <a:r>
               <a:rPr lang="en-US" dirty="0"/>
-              <a:t>Deep Learning Techniques</a:t>
+              <a:t>Random Forest Model / Gradient Boosting</a:t>
             </a:r>
           </a:p>
         </p:txBody>
@@ -6792,7 +6767,7 @@
           <p:cNvPr id="3" name="Content Placeholder 2">
             <a:extLst>
               <a:ext uri="{FF2B5EF4-FFF2-40B4-BE49-F238E27FC236}">
-                <a16:creationId xmlns:a16="http://schemas.microsoft.com/office/drawing/2014/main" id="{3BDBEEB5-E7D7-4B3D-A132-B7765A420E86}"/>
+                <a16:creationId xmlns:a16="http://schemas.microsoft.com/office/drawing/2014/main" id="{ED75D8C5-0BF6-40C8-9584-4DE077364A05}"/>
               </a:ext>
             </a:extLst>
           </p:cNvPr>
@@ -6805,60 +6780,69 @@
         </p:nvSpPr>
         <p:spPr>
           <a:xfrm>
-            <a:off x="1023413" y="2070673"/>
-            <a:ext cx="4507375" cy="4195481"/>
+            <a:off x="646111" y="2008530"/>
+            <a:ext cx="5071108" cy="4195481"/>
           </a:xfrm>
         </p:spPr>
         <p:txBody>
-          <a:bodyPr/>
-          <a:lstStyle/>
-          <a:p>
-            <a:r>
-              <a:rPr lang="en-US" dirty="0"/>
-              <a:t>Ran two models with following:</a:t>
+          <a:bodyPr>
+            <a:normAutofit lnSpcReduction="10000"/>
+          </a:bodyPr>
+          <a:lstStyle/>
+          <a:p>
+            <a:r>
+              <a:rPr lang="en-US" dirty="0"/>
+              <a:t>Using Random Forest and Gradient Boosting we can predict the price within a $50 range.</a:t>
+            </a:r>
+          </a:p>
+          <a:p>
+            <a:r>
+              <a:rPr lang="en-US" dirty="0"/>
+              <a:t>Filtered by country, we can predict the exact price 1/3 of the time.</a:t>
+            </a:r>
+          </a:p>
+          <a:p>
+            <a:r>
+              <a:rPr lang="en-US" dirty="0"/>
+              <a:t>Features with most weight:</a:t>
             </a:r>
           </a:p>
           <a:p>
             <a:pPr lvl="1"/>
             <a:r>
               <a:rPr lang="en-US" dirty="0"/>
-              <a:t>Epochs = 200</a:t>
+              <a:t>Lead Time</a:t>
             </a:r>
           </a:p>
           <a:p>
             <a:pPr lvl="1"/>
             <a:r>
               <a:rPr lang="en-US" dirty="0"/>
-              <a:t>Features = 15</a:t>
+              <a:t>Arrival Date (Week)</a:t>
             </a:r>
           </a:p>
           <a:p>
             <a:pPr lvl="1"/>
             <a:r>
               <a:rPr lang="en-US" dirty="0"/>
-              <a:t>Nodes = 8</a:t>
+              <a:t>Arrival Date (Month)</a:t>
             </a:r>
           </a:p>
           <a:p>
             <a:pPr lvl="1"/>
             <a:r>
               <a:rPr lang="en-US" dirty="0"/>
-              <a:t>Activation = Linear</a:t>
-            </a:r>
-          </a:p>
-          <a:p>
-            <a:r>
-              <a:rPr lang="en-US" dirty="0"/>
-              <a:t>MSE Model w/ 2 Hidden Layers = 599</a:t>
-            </a:r>
-          </a:p>
-          <a:p>
-            <a:r>
-              <a:rPr lang="en-US" dirty="0"/>
-              <a:t>Results indicate the model is within $100 dollars of the actual value which is not accurate. </a:t>
-            </a:r>
-          </a:p>
-          <a:p>
+              <a:t>Country</a:t>
+            </a:r>
+          </a:p>
+          <a:p>
+            <a:r>
+              <a:rPr lang="en-US" dirty="0"/>
+              <a:t>Confirmed cost savings in booking in advanced (lead time). </a:t>
+            </a:r>
+          </a:p>
+          <a:p>
+            <a:pPr lvl="1"/>
             <a:endParaRPr lang="en-US" dirty="0"/>
           </a:p>
         </p:txBody>
@@ -6868,7 +6852,7 @@
           <p:cNvPr id="5" name="Picture 4">
             <a:extLst>
               <a:ext uri="{FF2B5EF4-FFF2-40B4-BE49-F238E27FC236}">
-                <a16:creationId xmlns:a16="http://schemas.microsoft.com/office/drawing/2014/main" id="{4EE66B4E-F594-44FD-82FC-730671C72EE6}"/>
+                <a16:creationId xmlns:a16="http://schemas.microsoft.com/office/drawing/2014/main" id="{5A482F09-887D-4941-AB99-658967914335}"/>
               </a:ext>
             </a:extLst>
           </p:cNvPr>
@@ -6885,8 +6869,8 @@
         </p:blipFill>
         <p:spPr>
           <a:xfrm>
-            <a:off x="5838050" y="4168413"/>
-            <a:ext cx="6093538" cy="2366012"/>
+            <a:off x="6165303" y="4314548"/>
+            <a:ext cx="5584719" cy="2087999"/>
           </a:xfrm>
           <a:prstGeom prst="rect">
             <a:avLst/>
@@ -6895,10 +6879,10 @@
       </p:pic>
       <p:pic>
         <p:nvPicPr>
-          <p:cNvPr id="9" name="Picture 8">
+          <p:cNvPr id="7" name="Picture 6">
             <a:extLst>
               <a:ext uri="{FF2B5EF4-FFF2-40B4-BE49-F238E27FC236}">
-                <a16:creationId xmlns:a16="http://schemas.microsoft.com/office/drawing/2014/main" id="{BEC64F9B-C736-4C01-A656-E2FA9E8A5268}"/>
+                <a16:creationId xmlns:a16="http://schemas.microsoft.com/office/drawing/2014/main" id="{BED2C359-9C69-4D3E-A6F1-9D126EE57824}"/>
               </a:ext>
             </a:extLst>
           </p:cNvPr>
@@ -6915,8 +6899,8 @@
         </p:blipFill>
         <p:spPr>
           <a:xfrm>
-            <a:off x="6434662" y="1471889"/>
-            <a:ext cx="4733925" cy="2600325"/>
+            <a:off x="6165303" y="2131293"/>
+            <a:ext cx="5646764" cy="1974977"/>
           </a:xfrm>
           <a:prstGeom prst="rect">
             <a:avLst/>
@@ -6926,7 +6910,7 @@
     </p:spTree>
     <p:extLst>
       <p:ext uri="{BB962C8B-B14F-4D97-AF65-F5344CB8AC3E}">
-        <p14:creationId xmlns:p14="http://schemas.microsoft.com/office/powerpoint/2010/main" val="3714578013"/>
+        <p14:creationId xmlns:p14="http://schemas.microsoft.com/office/powerpoint/2010/main" val="2505208328"/>
       </p:ext>
     </p:extLst>
   </p:cSld>
@@ -7025,7 +7009,7 @@
             <a:pPr lvl="1"/>
             <a:r>
               <a:rPr lang="en-US" dirty="0"/>
-              <a:t>Accurate within $50</a:t>
+              <a:t>Accurate within $10 to $20 (Regression)</a:t>
             </a:r>
           </a:p>
           <a:p>
@@ -7040,7 +7024,7 @@
             </a:r>
             <a:r>
               <a:rPr lang="en-US" dirty="0"/>
-              <a:t> of 654.  Significant variances between predicted and actual </a:t>
+              <a:t> of 572.  Significant variances between predicted and actual </a:t>
             </a:r>
             <a:r>
               <a:rPr lang="en-US" dirty="0" err="1"/>
@@ -7055,7 +7039,7 @@
             <a:pPr lvl="1"/>
             <a:r>
               <a:rPr lang="en-US" dirty="0"/>
-              <a:t>There is a correlation between cost and lead time (Random Forest Weights).</a:t>
+              <a:t>There is a correlation between cost and lead time (Based on Weights).</a:t>
             </a:r>
           </a:p>
           <a:p>
@@ -7321,7 +7305,7 @@
             <a:pPr lvl="2"/>
             <a:r>
               <a:rPr lang="en-US" dirty="0"/>
-              <a:t>Start Ratings</a:t>
+              <a:t>Star Ratings</a:t>
             </a:r>
           </a:p>
           <a:p>
@@ -7552,21 +7536,56 @@
             </a:r>
           </a:p>
           <a:p>
+            <a:pPr lvl="1"/>
+            <a:r>
+              <a:rPr lang="en-US" dirty="0"/>
+              <a:t>Lead Time (if it’s a City Hotel)</a:t>
+            </a:r>
+          </a:p>
+          <a:p>
+            <a:pPr lvl="1"/>
+            <a:r>
+              <a:rPr lang="en-US" dirty="0"/>
+              <a:t>Arrival Date (Week &amp; Month)</a:t>
+            </a:r>
+          </a:p>
+          <a:p>
             <a:r>
               <a:rPr lang="en-US" dirty="0"/>
               <a:t>Is there true cost savings in booking a hotel well in advance? </a:t>
             </a:r>
           </a:p>
           <a:p>
+            <a:pPr lvl="1"/>
+            <a:r>
+              <a:rPr lang="en-US" dirty="0"/>
+              <a:t>Yes for City Hotels; No for Resort Hotels</a:t>
+            </a:r>
+          </a:p>
+          <a:p>
             <a:r>
               <a:rPr lang="en-US" dirty="0"/>
               <a:t>When is the best time to travel to save money on hotels?</a:t>
             </a:r>
           </a:p>
           <a:p>
+            <a:pPr lvl="1"/>
+            <a:r>
+              <a:rPr lang="en-US" dirty="0"/>
+              <a:t>Off Season, especially for Resort Hotels</a:t>
+            </a:r>
+          </a:p>
+          <a:p>
             <a:r>
               <a:rPr lang="en-US" dirty="0"/>
               <a:t>Can this data be used to build a machine learning model to accurately predict hotel prices? </a:t>
+            </a:r>
+          </a:p>
+          <a:p>
+            <a:pPr lvl="1"/>
+            <a:r>
+              <a:rPr lang="en-US" dirty="0"/>
+              <a:t>Yes with a margin of error between $10 to $20 per night</a:t>
             </a:r>
           </a:p>
           <a:p>
@@ -7779,7 +7798,7 @@
         <p:spPr/>
         <p:txBody>
           <a:bodyPr>
-            <a:normAutofit fontScale="92500"/>
+            <a:normAutofit/>
           </a:bodyPr>
           <a:lstStyle/>
           <a:p>
@@ -7815,7 +7834,7 @@
             </a:pPr>
             <a:r>
               <a:rPr lang="en-US" dirty="0"/>
-              <a:t>All daily rates less than $50 were eliminated to remove discounted prices.</a:t>
+              <a:t>All daily rates less than $40 to $50 were eliminated to remove discounted prices.</a:t>
             </a:r>
           </a:p>
           <a:p>
@@ -7854,15 +7873,6 @@
               <a:buAutoNum type="arabicPeriod"/>
             </a:pPr>
             <a:endParaRPr lang="en-US" dirty="0"/>
-          </a:p>
-          <a:p>
-            <a:pPr marL="457200" lvl="1" indent="0">
-              <a:buNone/>
-            </a:pPr>
-            <a:r>
-              <a:rPr lang="en-US" dirty="0"/>
-              <a:t>Data frame cleaned to 116,000 rows with 13 columns</a:t>
-            </a:r>
           </a:p>
           <a:p>
             <a:pPr lvl="1"/>
@@ -7981,8 +7991,35 @@
             </a:pPr>
             <a:r>
               <a:rPr lang="en-US" dirty="0"/>
-              <a:t>?Use standard scaler to normalize the final data frame</a:t>
-            </a:r>
+              <a:t>Use standard scaler to normalize the final data frame</a:t>
+            </a:r>
+          </a:p>
+          <a:p>
+            <a:pPr marL="914400" lvl="1" indent="-457200">
+              <a:buAutoNum type="arabicPeriod" startAt="7"/>
+            </a:pPr>
+            <a:endParaRPr lang="en-US" dirty="0"/>
+          </a:p>
+          <a:p>
+            <a:pPr marL="914400" lvl="1" indent="-457200">
+              <a:buAutoNum type="arabicPeriod" startAt="7"/>
+            </a:pPr>
+            <a:endParaRPr lang="en-US" dirty="0"/>
+          </a:p>
+          <a:p>
+            <a:pPr marL="457200" lvl="1" indent="0">
+              <a:buNone/>
+            </a:pPr>
+            <a:r>
+              <a:rPr lang="en-US" dirty="0"/>
+              <a:t>Data frame cleaned to 116,000 rows with 13 columns</a:t>
+            </a:r>
+          </a:p>
+          <a:p>
+            <a:pPr marL="457200" lvl="1" indent="0">
+              <a:buNone/>
+            </a:pPr>
+            <a:endParaRPr lang="en-US" dirty="0"/>
           </a:p>
         </p:txBody>
       </p:sp>
@@ -8374,7 +8411,7 @@
           <p:cNvPr id="2" name="Title 1">
             <a:extLst>
               <a:ext uri="{FF2B5EF4-FFF2-40B4-BE49-F238E27FC236}">
-                <a16:creationId xmlns:a16="http://schemas.microsoft.com/office/drawing/2014/main" id="{0BF00337-9BC9-4E1F-AEFC-9E46E51222FC}"/>
+                <a16:creationId xmlns:a16="http://schemas.microsoft.com/office/drawing/2014/main" id="{7B265802-3FE0-4788-A3F7-6F54419EB426}"/>
               </a:ext>
             </a:extLst>
           </p:cNvPr>
@@ -8392,8 +8429,12 @@
           <a:p>
             <a:r>
               <a:rPr lang="en-US" dirty="0"/>
-              <a:t>Random Forest Model / Gradient Boosting</a:t>
-            </a:r>
+              <a:t>Linear Regression &amp; K Nearest Neighbors</a:t>
+            </a:r>
+            <a:br>
+              <a:rPr lang="en-US" dirty="0"/>
+            </a:br>
+            <a:endParaRPr lang="en-US" dirty="0"/>
           </a:p>
         </p:txBody>
       </p:sp>
@@ -8402,7 +8443,7 @@
           <p:cNvPr id="3" name="Content Placeholder 2">
             <a:extLst>
               <a:ext uri="{FF2B5EF4-FFF2-40B4-BE49-F238E27FC236}">
-                <a16:creationId xmlns:a16="http://schemas.microsoft.com/office/drawing/2014/main" id="{ED75D8C5-0BF6-40C8-9584-4DE077364A05}"/>
+                <a16:creationId xmlns:a16="http://schemas.microsoft.com/office/drawing/2014/main" id="{333B0B37-88E7-4269-A4D7-EC80DEF9F225}"/>
               </a:ext>
             </a:extLst>
           </p:cNvPr>
@@ -8415,70 +8456,52 @@
         </p:nvSpPr>
         <p:spPr>
           <a:xfrm>
-            <a:off x="646111" y="2008530"/>
-            <a:ext cx="5071108" cy="4195481"/>
+            <a:off x="646110" y="2112885"/>
+            <a:ext cx="4778145" cy="3700509"/>
           </a:xfrm>
         </p:spPr>
         <p:txBody>
-          <a:bodyPr>
-            <a:normAutofit lnSpcReduction="10000"/>
-          </a:bodyPr>
-          <a:lstStyle/>
-          <a:p>
-            <a:r>
-              <a:rPr lang="en-US" dirty="0"/>
-              <a:t>Using Random Forest and Gradient Boosting we can predict the price within a $50 range.</a:t>
-            </a:r>
-          </a:p>
-          <a:p>
-            <a:r>
-              <a:rPr lang="en-US" dirty="0"/>
-              <a:t>Filtered by country, we can predict the exact price 1/3 of the time.</a:t>
-            </a:r>
-          </a:p>
-          <a:p>
-            <a:r>
-              <a:rPr lang="en-US" dirty="0"/>
-              <a:t>Features with most weight:</a:t>
+          <a:bodyPr/>
+          <a:lstStyle/>
+          <a:p>
+            <a:r>
+              <a:rPr lang="en-US" dirty="0"/>
+              <a:t>Linear Regression</a:t>
             </a:r>
           </a:p>
           <a:p>
             <a:pPr lvl="1"/>
             <a:r>
               <a:rPr lang="en-US" dirty="0"/>
-              <a:t>Lead Time</a:t>
+              <a:t>Analysis was performed based on the average ADR and lead time for both City and Resort data.</a:t>
             </a:r>
           </a:p>
           <a:p>
             <a:pPr lvl="1"/>
             <a:r>
               <a:rPr lang="en-US" dirty="0"/>
-              <a:t>Arrival Date (Week)</a:t>
+              <a:t>Model result for City had MSE of 15.38.</a:t>
             </a:r>
           </a:p>
           <a:p>
             <a:pPr lvl="1"/>
             <a:r>
               <a:rPr lang="en-US" dirty="0"/>
-              <a:t>Arrival Date (Month)</a:t>
+              <a:t>Model result for Resort had MSE of 39.22.</a:t>
+            </a:r>
+          </a:p>
+          <a:p>
+            <a:r>
+              <a:rPr lang="en-US" dirty="0"/>
+              <a:t>KNN</a:t>
             </a:r>
           </a:p>
           <a:p>
             <a:pPr lvl="1"/>
             <a:r>
               <a:rPr lang="en-US" dirty="0"/>
-              <a:t>Country</a:t>
-            </a:r>
-          </a:p>
-          <a:p>
-            <a:r>
-              <a:rPr lang="en-US" dirty="0"/>
-              <a:t>Confirmed cost savings in booking in advanced (lead time). </a:t>
-            </a:r>
-          </a:p>
-          <a:p>
-            <a:pPr lvl="1"/>
-            <a:endParaRPr lang="en-US" dirty="0"/>
+              <a:t>City data had MSE of 15.06</a:t>
+            </a:r>
           </a:p>
         </p:txBody>
       </p:sp>
@@ -8487,7 +8510,7 @@
           <p:cNvPr id="5" name="Picture 4">
             <a:extLst>
               <a:ext uri="{FF2B5EF4-FFF2-40B4-BE49-F238E27FC236}">
-                <a16:creationId xmlns:a16="http://schemas.microsoft.com/office/drawing/2014/main" id="{5A482F09-887D-4941-AB99-658967914335}"/>
+                <a16:creationId xmlns:a16="http://schemas.microsoft.com/office/drawing/2014/main" id="{D3D4F0F6-D7D9-4195-8708-B66E688401A6}"/>
               </a:ext>
             </a:extLst>
           </p:cNvPr>
@@ -8504,8 +8527,8 @@
         </p:blipFill>
         <p:spPr>
           <a:xfrm>
-            <a:off x="6165303" y="4314548"/>
-            <a:ext cx="5584719" cy="2087999"/>
+            <a:off x="5997430" y="1869557"/>
+            <a:ext cx="2959341" cy="1784309"/>
           </a:xfrm>
           <a:prstGeom prst="rect">
             <a:avLst/>
@@ -8514,10 +8537,10 @@
       </p:pic>
       <p:pic>
         <p:nvPicPr>
-          <p:cNvPr id="7" name="Picture 6">
+          <p:cNvPr id="8" name="Picture 7">
             <a:extLst>
               <a:ext uri="{FF2B5EF4-FFF2-40B4-BE49-F238E27FC236}">
-                <a16:creationId xmlns:a16="http://schemas.microsoft.com/office/drawing/2014/main" id="{BED2C359-9C69-4D3E-A6F1-9D126EE57824}"/>
+                <a16:creationId xmlns:a16="http://schemas.microsoft.com/office/drawing/2014/main" id="{A8150C74-7466-421B-B326-09996A1AD78C}"/>
               </a:ext>
             </a:extLst>
           </p:cNvPr>
@@ -8534,8 +8557,38 @@
         </p:blipFill>
         <p:spPr>
           <a:xfrm>
-            <a:off x="6165303" y="2131293"/>
-            <a:ext cx="5646764" cy="1974977"/>
+            <a:off x="9130815" y="1869557"/>
+            <a:ext cx="2959341" cy="1768000"/>
+          </a:xfrm>
+          <a:prstGeom prst="rect">
+            <a:avLst/>
+          </a:prstGeom>
+        </p:spPr>
+      </p:pic>
+      <p:pic>
+        <p:nvPicPr>
+          <p:cNvPr id="10" name="Picture 9">
+            <a:extLst>
+              <a:ext uri="{FF2B5EF4-FFF2-40B4-BE49-F238E27FC236}">
+                <a16:creationId xmlns:a16="http://schemas.microsoft.com/office/drawing/2014/main" id="{F5D0570B-4168-4938-B559-E28CC076D681}"/>
+              </a:ext>
+            </a:extLst>
+          </p:cNvPr>
+          <p:cNvPicPr>
+            <a:picLocks noChangeAspect="1"/>
+          </p:cNvPicPr>
+          <p:nvPr/>
+        </p:nvPicPr>
+        <p:blipFill>
+          <a:blip r:embed="rId4"/>
+          <a:stretch>
+            <a:fillRect/>
+          </a:stretch>
+        </p:blipFill>
+        <p:spPr>
+          <a:xfrm>
+            <a:off x="6575273" y="3802367"/>
+            <a:ext cx="5111083" cy="2011027"/>
           </a:xfrm>
           <a:prstGeom prst="rect">
             <a:avLst/>
@@ -8545,7 +8598,7 @@
     </p:spTree>
     <p:extLst>
       <p:ext uri="{BB962C8B-B14F-4D97-AF65-F5344CB8AC3E}">
-        <p14:creationId xmlns:p14="http://schemas.microsoft.com/office/powerpoint/2010/main" val="2505208328"/>
+        <p14:creationId xmlns:p14="http://schemas.microsoft.com/office/powerpoint/2010/main" val="424489951"/>
       </p:ext>
     </p:extLst>
   </p:cSld>
